--- a/ITC分布式拼接墙系统.pptx
+++ b/ITC分布式拼接墙系统.pptx
@@ -247,7 +247,7 @@
           <a:p>
             <a:fld id="{4230705B-3CA9-4671-B265-1FF3C285584C}" type="datetimeFigureOut">
               <a:rPr lang="zh-CN" altLang="en-US" smtClean="0"/>
-              <a:t>2020-5-12</a:t>
+              <a:t>2020-6-15</a:t>
             </a:fld>
             <a:endParaRPr lang="zh-CN" altLang="en-US"/>
           </a:p>
@@ -417,7 +417,7 @@
           <a:p>
             <a:fld id="{4230705B-3CA9-4671-B265-1FF3C285584C}" type="datetimeFigureOut">
               <a:rPr lang="zh-CN" altLang="en-US" smtClean="0"/>
-              <a:t>2020-5-12</a:t>
+              <a:t>2020-6-15</a:t>
             </a:fld>
             <a:endParaRPr lang="zh-CN" altLang="en-US"/>
           </a:p>
@@ -597,7 +597,7 @@
           <a:p>
             <a:fld id="{4230705B-3CA9-4671-B265-1FF3C285584C}" type="datetimeFigureOut">
               <a:rPr lang="zh-CN" altLang="en-US" smtClean="0"/>
-              <a:t>2020-5-12</a:t>
+              <a:t>2020-6-15</a:t>
             </a:fld>
             <a:endParaRPr lang="zh-CN" altLang="en-US"/>
           </a:p>
@@ -767,7 +767,7 @@
           <a:p>
             <a:fld id="{4230705B-3CA9-4671-B265-1FF3C285584C}" type="datetimeFigureOut">
               <a:rPr lang="zh-CN" altLang="en-US" smtClean="0"/>
-              <a:t>2020-5-12</a:t>
+              <a:t>2020-6-15</a:t>
             </a:fld>
             <a:endParaRPr lang="zh-CN" altLang="en-US"/>
           </a:p>
@@ -1013,7 +1013,7 @@
           <a:p>
             <a:fld id="{4230705B-3CA9-4671-B265-1FF3C285584C}" type="datetimeFigureOut">
               <a:rPr lang="zh-CN" altLang="en-US" smtClean="0"/>
-              <a:t>2020-5-12</a:t>
+              <a:t>2020-6-15</a:t>
             </a:fld>
             <a:endParaRPr lang="zh-CN" altLang="en-US"/>
           </a:p>
@@ -1245,7 +1245,7 @@
           <a:p>
             <a:fld id="{4230705B-3CA9-4671-B265-1FF3C285584C}" type="datetimeFigureOut">
               <a:rPr lang="zh-CN" altLang="en-US" smtClean="0"/>
-              <a:t>2020-5-12</a:t>
+              <a:t>2020-6-15</a:t>
             </a:fld>
             <a:endParaRPr lang="zh-CN" altLang="en-US"/>
           </a:p>
@@ -1612,7 +1612,7 @@
           <a:p>
             <a:fld id="{4230705B-3CA9-4671-B265-1FF3C285584C}" type="datetimeFigureOut">
               <a:rPr lang="zh-CN" altLang="en-US" smtClean="0"/>
-              <a:t>2020-5-12</a:t>
+              <a:t>2020-6-15</a:t>
             </a:fld>
             <a:endParaRPr lang="zh-CN" altLang="en-US"/>
           </a:p>
@@ -1730,7 +1730,7 @@
           <a:p>
             <a:fld id="{4230705B-3CA9-4671-B265-1FF3C285584C}" type="datetimeFigureOut">
               <a:rPr lang="zh-CN" altLang="en-US" smtClean="0"/>
-              <a:t>2020-5-12</a:t>
+              <a:t>2020-6-15</a:t>
             </a:fld>
             <a:endParaRPr lang="zh-CN" altLang="en-US"/>
           </a:p>
@@ -1825,7 +1825,7 @@
           <a:p>
             <a:fld id="{4230705B-3CA9-4671-B265-1FF3C285584C}" type="datetimeFigureOut">
               <a:rPr lang="zh-CN" altLang="en-US" smtClean="0"/>
-              <a:t>2020-5-12</a:t>
+              <a:t>2020-6-15</a:t>
             </a:fld>
             <a:endParaRPr lang="zh-CN" altLang="en-US"/>
           </a:p>
@@ -2102,7 +2102,7 @@
           <a:p>
             <a:fld id="{4230705B-3CA9-4671-B265-1FF3C285584C}" type="datetimeFigureOut">
               <a:rPr lang="zh-CN" altLang="en-US" smtClean="0"/>
-              <a:t>2020-5-12</a:t>
+              <a:t>2020-6-15</a:t>
             </a:fld>
             <a:endParaRPr lang="zh-CN" altLang="en-US"/>
           </a:p>
@@ -2355,7 +2355,7 @@
           <a:p>
             <a:fld id="{4230705B-3CA9-4671-B265-1FF3C285584C}" type="datetimeFigureOut">
               <a:rPr lang="zh-CN" altLang="en-US" smtClean="0"/>
-              <a:t>2020-5-12</a:t>
+              <a:t>2020-6-15</a:t>
             </a:fld>
             <a:endParaRPr lang="zh-CN" altLang="en-US"/>
           </a:p>
@@ -2568,7 +2568,7 @@
           <a:p>
             <a:fld id="{4230705B-3CA9-4671-B265-1FF3C285584C}" type="datetimeFigureOut">
               <a:rPr lang="zh-CN" altLang="en-US" smtClean="0"/>
-              <a:t>2020-5-12</a:t>
+              <a:t>2020-6-15</a:t>
             </a:fld>
             <a:endParaRPr lang="zh-CN" altLang="en-US"/>
           </a:p>
